--- a/Presentation/Bakery Rules Association Analysis.pptx
+++ b/Presentation/Bakery Rules Association Analysis.pptx
@@ -158,6 +158,11 @@
       </a:defRPr>
     </a:lvl9pPr>
   </p:defaultTextStyle>
+  <p:extLst>
+    <p:ext uri="{EFAFB233-063F-42B5-8137-9DF3F51BA10A}">
+      <p15:sldGuideLst xmlns:p15="http://schemas.microsoft.com/office/powerpoint/2012/main"/>
+    </p:ext>
+  </p:extLst>
 </p:presentation>
 </file>
 
@@ -271,7 +276,7 @@
           <a:p>
             <a:fld id="{CD674A93-847F-4F82-8595-DA5E6BE2F2D8}" type="datetimeFigureOut">
               <a:rPr lang="en-US" smtClean="0"/>
-              <a:t>4/14/2024</a:t>
+              <a:t>4/15/2024</a:t>
             </a:fld>
             <a:endParaRPr lang="en-US"/>
           </a:p>
@@ -685,7 +690,7 @@
           <a:p>
             <a:fld id="{E4D12D22-59E4-47BE-8F49-C69287E01F42}" type="datetimeFigureOut">
               <a:rPr lang="en-US" smtClean="0"/>
-              <a:t>4/14/2024</a:t>
+              <a:t>4/15/2024</a:t>
             </a:fld>
             <a:endParaRPr lang="en-US"/>
           </a:p>
@@ -883,7 +888,7 @@
           <a:p>
             <a:fld id="{E4D12D22-59E4-47BE-8F49-C69287E01F42}" type="datetimeFigureOut">
               <a:rPr lang="en-US" smtClean="0"/>
-              <a:t>4/14/2024</a:t>
+              <a:t>4/15/2024</a:t>
             </a:fld>
             <a:endParaRPr lang="en-US"/>
           </a:p>
@@ -1091,7 +1096,7 @@
           <a:p>
             <a:fld id="{E4D12D22-59E4-47BE-8F49-C69287E01F42}" type="datetimeFigureOut">
               <a:rPr lang="en-US" smtClean="0"/>
-              <a:t>4/14/2024</a:t>
+              <a:t>4/15/2024</a:t>
             </a:fld>
             <a:endParaRPr lang="en-US"/>
           </a:p>
@@ -1289,7 +1294,7 @@
           <a:p>
             <a:fld id="{E4D12D22-59E4-47BE-8F49-C69287E01F42}" type="datetimeFigureOut">
               <a:rPr lang="en-US" smtClean="0"/>
-              <a:t>4/14/2024</a:t>
+              <a:t>4/15/2024</a:t>
             </a:fld>
             <a:endParaRPr lang="en-US"/>
           </a:p>
@@ -1564,7 +1569,7 @@
           <a:p>
             <a:fld id="{E4D12D22-59E4-47BE-8F49-C69287E01F42}" type="datetimeFigureOut">
               <a:rPr lang="en-US" smtClean="0"/>
-              <a:t>4/14/2024</a:t>
+              <a:t>4/15/2024</a:t>
             </a:fld>
             <a:endParaRPr lang="en-US"/>
           </a:p>
@@ -1829,7 +1834,7 @@
           <a:p>
             <a:fld id="{E4D12D22-59E4-47BE-8F49-C69287E01F42}" type="datetimeFigureOut">
               <a:rPr lang="en-US" smtClean="0"/>
-              <a:t>4/14/2024</a:t>
+              <a:t>4/15/2024</a:t>
             </a:fld>
             <a:endParaRPr lang="en-US"/>
           </a:p>
@@ -2241,7 +2246,7 @@
           <a:p>
             <a:fld id="{E4D12D22-59E4-47BE-8F49-C69287E01F42}" type="datetimeFigureOut">
               <a:rPr lang="en-US" smtClean="0"/>
-              <a:t>4/14/2024</a:t>
+              <a:t>4/15/2024</a:t>
             </a:fld>
             <a:endParaRPr lang="en-US"/>
           </a:p>
@@ -2382,7 +2387,7 @@
           <a:p>
             <a:fld id="{E4D12D22-59E4-47BE-8F49-C69287E01F42}" type="datetimeFigureOut">
               <a:rPr lang="en-US" smtClean="0"/>
-              <a:t>4/14/2024</a:t>
+              <a:t>4/15/2024</a:t>
             </a:fld>
             <a:endParaRPr lang="en-US"/>
           </a:p>
@@ -2495,7 +2500,7 @@
           <a:p>
             <a:fld id="{E4D12D22-59E4-47BE-8F49-C69287E01F42}" type="datetimeFigureOut">
               <a:rPr lang="en-US" smtClean="0"/>
-              <a:t>4/14/2024</a:t>
+              <a:t>4/15/2024</a:t>
             </a:fld>
             <a:endParaRPr lang="en-US"/>
           </a:p>
@@ -2806,7 +2811,7 @@
           <a:p>
             <a:fld id="{E4D12D22-59E4-47BE-8F49-C69287E01F42}" type="datetimeFigureOut">
               <a:rPr lang="en-US" smtClean="0"/>
-              <a:t>4/14/2024</a:t>
+              <a:t>4/15/2024</a:t>
             </a:fld>
             <a:endParaRPr lang="en-US"/>
           </a:p>
@@ -3094,7 +3099,7 @@
           <a:p>
             <a:fld id="{E4D12D22-59E4-47BE-8F49-C69287E01F42}" type="datetimeFigureOut">
               <a:rPr lang="en-US" smtClean="0"/>
-              <a:t>4/14/2024</a:t>
+              <a:t>4/15/2024</a:t>
             </a:fld>
             <a:endParaRPr lang="en-US"/>
           </a:p>
@@ -3335,7 +3340,7 @@
           <a:p>
             <a:fld id="{E4D12D22-59E4-47BE-8F49-C69287E01F42}" type="datetimeFigureOut">
               <a:rPr lang="en-US" smtClean="0"/>
-              <a:t>4/14/2024</a:t>
+              <a:t>4/15/2024</a:t>
             </a:fld>
             <a:endParaRPr lang="en-US"/>
           </a:p>
@@ -4613,7 +4618,7 @@
             </a:pPr>
             <a:r>
               <a:rPr lang="en-US" sz="1800" dirty="0"/>
-              <a:t>This can be used to tell them when they should start baking and how many things to back to have enough products satisfy the flow of customers. </a:t>
+              <a:t>This can be used to tell them when they should start baking and how many things to bake to have enough products to satisfy the flow of customers. </a:t>
             </a:r>
           </a:p>
           <a:p>
